--- a/Presentations/Templates/WoT-CG-Template.pptx
+++ b/Presentations/Templates/WoT-CG-Template.pptx
@@ -18,6 +18,7 @@
     <p:sldId id="262" r:id="rId13"/>
     <p:sldId id="263" r:id="rId14"/>
     <p:sldId id="264" r:id="rId15"/>
+    <p:sldId id="265" r:id="rId16"/>
   </p:sldIdLst>
   <p:sldSz cy="6858000" cx="12192000"/>
   <p:notesSz cx="6858000" cy="9144000"/>
@@ -1810,6 +1811,150 @@
 </p:notes>
 </file>
 
+<file path=ppt/notesSlides/notesSlide10.xml><?xml version="1.0" encoding="utf-8"?>
+<p:notes xmlns:a="http://schemas.openxmlformats.org/drawingml/2006/main" xmlns:r="http://schemas.openxmlformats.org/officeDocument/2006/relationships" xmlns:mc="http://schemas.openxmlformats.org/markup-compatibility/2006" xmlns:mv="urn:schemas-microsoft-com:mac:vml" xmlns:p="http://schemas.openxmlformats.org/presentationml/2006/main" xmlns:c="http://schemas.openxmlformats.org/drawingml/2006/chart" xmlns:dgm="http://schemas.openxmlformats.org/drawingml/2006/diagram" xmlns:o="urn:schemas-microsoft-com:office:office" xmlns:v="urn:schemas-microsoft-com:vml" xmlns:pvml="urn:schemas-microsoft-com:office:powerpoint" xmlns:com="http://schemas.openxmlformats.org/drawingml/2006/compatibility" xmlns:p14="http://schemas.microsoft.com/office/powerpoint/2010/main" xmlns:p15="http://schemas.microsoft.com/office/powerpoint/2012/main" xmlns:ahyp="http://schemas.microsoft.com/office/drawing/2018/hyperlinkcolor" showMasterPhAnim="0" showMasterSp="0">
+  <p:cSld>
+    <p:spTree>
+      <p:nvGrpSpPr>
+        <p:cNvPr id="245" name="Shape 245"/>
+        <p:cNvGrpSpPr/>
+        <p:nvPr/>
+      </p:nvGrpSpPr>
+      <p:grpSpPr>
+        <a:xfrm>
+          <a:off x="0" y="0"/>
+          <a:ext cx="0" cy="0"/>
+          <a:chOff x="0" y="0"/>
+          <a:chExt cx="0" cy="0"/>
+        </a:xfrm>
+      </p:grpSpPr>
+      <p:sp>
+        <p:nvSpPr>
+          <p:cNvPr id="246" name="Google Shape;246;g157d0caed86_0_175:notes"/>
+          <p:cNvSpPr/>
+          <p:nvPr>
+            <p:ph idx="2" type="sldImg"/>
+          </p:nvPr>
+        </p:nvSpPr>
+        <p:spPr>
+          <a:xfrm>
+            <a:off x="685800" y="1143000"/>
+            <a:ext cx="5486400" cy="3086100"/>
+          </a:xfrm>
+          <a:custGeom>
+            <a:rect b="b" l="l" r="r" t="t"/>
+            <a:pathLst>
+              <a:path extrusionOk="0" h="120000" w="120000">
+                <a:moveTo>
+                  <a:pt x="0" y="0"/>
+                </a:moveTo>
+                <a:lnTo>
+                  <a:pt x="120000" y="0"/>
+                </a:lnTo>
+                <a:lnTo>
+                  <a:pt x="120000" y="120000"/>
+                </a:lnTo>
+                <a:lnTo>
+                  <a:pt x="0" y="120000"/>
+                </a:lnTo>
+                <a:close/>
+              </a:path>
+            </a:pathLst>
+          </a:custGeom>
+        </p:spPr>
+      </p:sp>
+      <p:sp>
+        <p:nvSpPr>
+          <p:cNvPr id="247" name="Google Shape;247;g157d0caed86_0_175:notes"/>
+          <p:cNvSpPr txBox="1"/>
+          <p:nvPr>
+            <p:ph idx="1" type="body"/>
+          </p:nvPr>
+        </p:nvSpPr>
+        <p:spPr>
+          <a:xfrm>
+            <a:off x="685800" y="4400550"/>
+            <a:ext cx="5486400" cy="3600600"/>
+          </a:xfrm>
+          <a:prstGeom prst="rect">
+            <a:avLst/>
+          </a:prstGeom>
+        </p:spPr>
+        <p:txBody>
+          <a:bodyPr anchorCtr="0" anchor="t" bIns="45700" lIns="91425" spcFirstLastPara="1" rIns="91425" wrap="square" tIns="45700">
+            <a:noAutofit/>
+          </a:bodyPr>
+          <a:lstStyle/>
+          <a:p>
+            <a:pPr indent="0" lvl="0" marL="0" rtl="0" algn="l">
+              <a:spcBef>
+                <a:spcPts val="0"/>
+              </a:spcBef>
+              <a:spcAft>
+                <a:spcPts val="0"/>
+              </a:spcAft>
+              <a:buNone/>
+            </a:pPr>
+            <a:r>
+              <a:t/>
+            </a:r>
+            <a:endParaRPr/>
+          </a:p>
+        </p:txBody>
+      </p:sp>
+      <p:sp>
+        <p:nvSpPr>
+          <p:cNvPr id="248" name="Google Shape;248;g157d0caed86_0_175:notes"/>
+          <p:cNvSpPr txBox="1"/>
+          <p:nvPr>
+            <p:ph idx="12" type="sldNum"/>
+          </p:nvPr>
+        </p:nvSpPr>
+        <p:spPr>
+          <a:xfrm>
+            <a:off x="3884613" y="8685213"/>
+            <a:ext cx="2971800" cy="458700"/>
+          </a:xfrm>
+          <a:prstGeom prst="rect">
+            <a:avLst/>
+          </a:prstGeom>
+        </p:spPr>
+        <p:txBody>
+          <a:bodyPr anchorCtr="0" anchor="b" bIns="45700" lIns="91425" spcFirstLastPara="1" rIns="91425" wrap="square" tIns="45700">
+            <a:noAutofit/>
+          </a:bodyPr>
+          <a:lstStyle/>
+          <a:p>
+            <a:pPr indent="0" lvl="0" marL="0" rtl="0" algn="r">
+              <a:spcBef>
+                <a:spcPts val="0"/>
+              </a:spcBef>
+              <a:spcAft>
+                <a:spcPts val="0"/>
+              </a:spcAft>
+              <a:buClr>
+                <a:srgbClr val="000000"/>
+              </a:buClr>
+              <a:buSzPts val="1200"/>
+              <a:buFont typeface="Arial"/>
+              <a:buNone/>
+            </a:pPr>
+            <a:fld id="{00000000-1234-1234-1234-123412341234}" type="slidenum">
+              <a:rPr lang="en-US"/>
+              <a:t>‹#›</a:t>
+            </a:fld>
+            <a:endParaRPr/>
+          </a:p>
+        </p:txBody>
+      </p:sp>
+    </p:spTree>
+  </p:cSld>
+  <p:clrMapOvr>
+    <a:masterClrMapping/>
+  </p:clrMapOvr>
+</p:notes>
+</file>
+
 <file path=ppt/notesSlides/notesSlide2.xml><?xml version="1.0" encoding="utf-8"?>
 <p:notes xmlns:a="http://schemas.openxmlformats.org/drawingml/2006/main" xmlns:r="http://schemas.openxmlformats.org/officeDocument/2006/relationships" xmlns:mc="http://schemas.openxmlformats.org/markup-compatibility/2006" xmlns:mv="urn:schemas-microsoft-com:mac:vml" xmlns:p="http://schemas.openxmlformats.org/presentationml/2006/main" xmlns:c="http://schemas.openxmlformats.org/drawingml/2006/chart" xmlns:dgm="http://schemas.openxmlformats.org/drawingml/2006/diagram" xmlns:o="urn:schemas-microsoft-com:office:office" xmlns:v="urn:schemas-microsoft-com:vml" xmlns:pvml="urn:schemas-microsoft-com:office:powerpoint" xmlns:com="http://schemas.openxmlformats.org/drawingml/2006/compatibility" xmlns:p14="http://schemas.microsoft.com/office/powerpoint/2010/main" xmlns:p15="http://schemas.microsoft.com/office/powerpoint/2012/main" xmlns:ahyp="http://schemas.microsoft.com/office/drawing/2018/hyperlinkcolor" showMasterPhAnim="0" showMasterSp="0">
   <p:cSld>
@@ -1942,7 +2087,7 @@
       </p:grpSpPr>
       <p:sp>
         <p:nvSpPr>
-          <p:cNvPr id="190" name="Google Shape;190;p28:notes"/>
+          <p:cNvPr id="190" name="Google Shape;190;g157d0caed86_0_0:notes"/>
           <p:cNvSpPr txBox="1"/>
           <p:nvPr>
             <p:ph idx="1" type="body"/>
@@ -1951,7 +2096,7 @@
         <p:spPr>
           <a:xfrm>
             <a:off x="685800" y="4400550"/>
-            <a:ext cx="5486400" cy="3600450"/>
+            <a:ext cx="5486400" cy="3600600"/>
           </a:xfrm>
           <a:prstGeom prst="rect">
             <a:avLst/>
@@ -1985,7 +2130,7 @@
       </p:sp>
       <p:sp>
         <p:nvSpPr>
-          <p:cNvPr id="191" name="Google Shape;191;p28:notes"/>
+          <p:cNvPr id="191" name="Google Shape;191;g157d0caed86_0_0:notes"/>
           <p:cNvSpPr/>
           <p:nvPr>
             <p:ph idx="2" type="sldImg"/>
@@ -2611,7 +2756,7 @@
       </p:grpSpPr>
       <p:sp>
         <p:nvSpPr>
-          <p:cNvPr id="230" name="Google Shape;230;g13e427fe184_1_0:notes"/>
+          <p:cNvPr id="230" name="Google Shape;230;g157d0caed86_0_87:notes"/>
           <p:cNvSpPr/>
           <p:nvPr>
             <p:ph idx="2" type="sldImg"/>
@@ -2656,7 +2801,7 @@
       </p:sp>
       <p:sp>
         <p:nvSpPr>
-          <p:cNvPr id="231" name="Google Shape;231;g13e427fe184_1_0:notes"/>
+          <p:cNvPr id="231" name="Google Shape;231;g157d0caed86_0_87:notes"/>
           <p:cNvSpPr txBox="1"/>
           <p:nvPr>
             <p:ph idx="1" type="body"/>
@@ -2699,7 +2844,7 @@
       </p:sp>
       <p:sp>
         <p:nvSpPr>
-          <p:cNvPr id="232" name="Google Shape;232;g13e427fe184_1_0:notes"/>
+          <p:cNvPr id="232" name="Google Shape;232;g157d0caed86_0_87:notes"/>
           <p:cNvSpPr txBox="1"/>
           <p:nvPr>
             <p:ph idx="12" type="sldNum"/>
@@ -28061,6 +28206,233 @@
 </p:sld>
 </file>
 
+<file path=ppt/slides/slide10.xml><?xml version="1.0" encoding="utf-8"?>
+<p:sld xmlns:a="http://schemas.openxmlformats.org/drawingml/2006/main" xmlns:r="http://schemas.openxmlformats.org/officeDocument/2006/relationships" xmlns:mc="http://schemas.openxmlformats.org/markup-compatibility/2006" xmlns:mv="urn:schemas-microsoft-com:mac:vml" xmlns:p="http://schemas.openxmlformats.org/presentationml/2006/main" xmlns:c="http://schemas.openxmlformats.org/drawingml/2006/chart" xmlns:dgm="http://schemas.openxmlformats.org/drawingml/2006/diagram" xmlns:o="urn:schemas-microsoft-com:office:office" xmlns:v="urn:schemas-microsoft-com:vml" xmlns:pvml="urn:schemas-microsoft-com:office:powerpoint" xmlns:com="http://schemas.openxmlformats.org/drawingml/2006/compatibility" xmlns:p14="http://schemas.microsoft.com/office/powerpoint/2010/main" xmlns:p15="http://schemas.microsoft.com/office/powerpoint/2012/main" xmlns:ahyp="http://schemas.microsoft.com/office/drawing/2018/hyperlinkcolor">
+  <p:cSld>
+    <p:spTree>
+      <p:nvGrpSpPr>
+        <p:cNvPr id="249" name="Shape 249"/>
+        <p:cNvGrpSpPr/>
+        <p:nvPr/>
+      </p:nvGrpSpPr>
+      <p:grpSpPr>
+        <a:xfrm>
+          <a:off x="0" y="0"/>
+          <a:ext cx="0" cy="0"/>
+          <a:chOff x="0" y="0"/>
+          <a:chExt cx="0" cy="0"/>
+        </a:xfrm>
+      </p:grpSpPr>
+      <p:sp>
+        <p:nvSpPr>
+          <p:cNvPr id="250" name="Google Shape;250;p34"/>
+          <p:cNvSpPr txBox="1"/>
+          <p:nvPr>
+            <p:ph type="title"/>
+          </p:nvPr>
+        </p:nvSpPr>
+        <p:spPr>
+          <a:xfrm>
+            <a:off x="838200" y="365125"/>
+            <a:ext cx="10515600" cy="932100"/>
+          </a:xfrm>
+          <a:prstGeom prst="rect">
+            <a:avLst/>
+          </a:prstGeom>
+        </p:spPr>
+        <p:txBody>
+          <a:bodyPr anchorCtr="0" anchor="t" bIns="45700" lIns="91425" spcFirstLastPara="1" rIns="91425" wrap="square" tIns="45700">
+            <a:normAutofit/>
+          </a:bodyPr>
+          <a:lstStyle/>
+          <a:p>
+            <a:pPr indent="0" lvl="0" marL="0" rtl="0" algn="l">
+              <a:spcBef>
+                <a:spcPts val="0"/>
+              </a:spcBef>
+              <a:spcAft>
+                <a:spcPts val="0"/>
+              </a:spcAft>
+              <a:buNone/>
+            </a:pPr>
+            <a:r>
+              <a:rPr lang="en-US">
+                <a:solidFill>
+                  <a:srgbClr val="005A9C"/>
+                </a:solidFill>
+              </a:rPr>
+              <a:t>Style Guide</a:t>
+            </a:r>
+            <a:endParaRPr>
+              <a:solidFill>
+                <a:srgbClr val="005A9C"/>
+              </a:solidFill>
+            </a:endParaRPr>
+          </a:p>
+        </p:txBody>
+      </p:sp>
+      <p:sp>
+        <p:nvSpPr>
+          <p:cNvPr id="251" name="Google Shape;251;p34"/>
+          <p:cNvSpPr txBox="1"/>
+          <p:nvPr>
+            <p:ph idx="1" type="body"/>
+          </p:nvPr>
+        </p:nvSpPr>
+        <p:spPr>
+          <a:xfrm>
+            <a:off x="838200" y="1298222"/>
+            <a:ext cx="10515600" cy="4878600"/>
+          </a:xfrm>
+          <a:prstGeom prst="rect">
+            <a:avLst/>
+          </a:prstGeom>
+        </p:spPr>
+        <p:txBody>
+          <a:bodyPr anchorCtr="0" anchor="t" bIns="45700" lIns="91425" spcFirstLastPara="1" rIns="91425" wrap="square" tIns="45700">
+            <a:normAutofit/>
+          </a:bodyPr>
+          <a:lstStyle/>
+          <a:p>
+            <a:pPr indent="-342900" lvl="0" marL="457200" rtl="0" algn="l">
+              <a:spcBef>
+                <a:spcPts val="1000"/>
+              </a:spcBef>
+              <a:spcAft>
+                <a:spcPts val="0"/>
+              </a:spcAft>
+              <a:buSzPts val="1800"/>
+              <a:buChar char="●"/>
+            </a:pPr>
+            <a:r>
+              <a:rPr lang="en-US"/>
+              <a:t>Blue color is the W3C blue, #005a9c</a:t>
+            </a:r>
+            <a:endParaRPr/>
+          </a:p>
+          <a:p>
+            <a:pPr indent="-342900" lvl="0" marL="457200" rtl="0" algn="l">
+              <a:spcBef>
+                <a:spcPts val="0"/>
+              </a:spcBef>
+              <a:spcAft>
+                <a:spcPts val="0"/>
+              </a:spcAft>
+              <a:buSzPts val="1800"/>
+              <a:buChar char="●"/>
+            </a:pPr>
+            <a:r>
+              <a:rPr lang="en-US"/>
+              <a:t>W3C Blue should be used in titles and QR codes</a:t>
+            </a:r>
+            <a:endParaRPr/>
+          </a:p>
+          <a:p>
+            <a:pPr indent="-342900" lvl="0" marL="457200" rtl="0" algn="l">
+              <a:spcBef>
+                <a:spcPts val="0"/>
+              </a:spcBef>
+              <a:spcAft>
+                <a:spcPts val="0"/>
+              </a:spcAft>
+              <a:buSzPts val="1800"/>
+              <a:buChar char="●"/>
+            </a:pPr>
+            <a:r>
+              <a:rPr lang="en-US"/>
+              <a:t>The primary font size is 28</a:t>
+            </a:r>
+            <a:endParaRPr/>
+          </a:p>
+          <a:p>
+            <a:pPr indent="-342900" lvl="0" marL="457200" rtl="0" algn="l">
+              <a:spcBef>
+                <a:spcPts val="0"/>
+              </a:spcBef>
+              <a:spcAft>
+                <a:spcPts val="0"/>
+              </a:spcAft>
+              <a:buSzPts val="1800"/>
+              <a:buChar char="●"/>
+            </a:pPr>
+            <a:r>
+              <a:rPr lang="en-US"/>
+              <a:t>Font is Calibri</a:t>
+            </a:r>
+            <a:endParaRPr/>
+          </a:p>
+          <a:p>
+            <a:pPr indent="-342900" lvl="0" marL="457200" rtl="0" algn="l">
+              <a:spcBef>
+                <a:spcPts val="0"/>
+              </a:spcBef>
+              <a:spcAft>
+                <a:spcPts val="0"/>
+              </a:spcAft>
+              <a:buSzPts val="1800"/>
+              <a:buChar char="●"/>
+            </a:pPr>
+            <a:r>
+              <a:rPr lang="en-US"/>
+              <a:t>Bullet point size 18 for the first level, 14 for the second </a:t>
+            </a:r>
+            <a:endParaRPr/>
+          </a:p>
+        </p:txBody>
+      </p:sp>
+      <p:sp>
+        <p:nvSpPr>
+          <p:cNvPr id="252" name="Google Shape;252;p34"/>
+          <p:cNvSpPr txBox="1"/>
+          <p:nvPr>
+            <p:ph idx="12" type="sldNum"/>
+          </p:nvPr>
+        </p:nvSpPr>
+        <p:spPr>
+          <a:xfrm>
+            <a:off x="11654475" y="6422025"/>
+            <a:ext cx="496500" cy="365100"/>
+          </a:xfrm>
+          <a:prstGeom prst="rect">
+            <a:avLst/>
+          </a:prstGeom>
+        </p:spPr>
+        <p:txBody>
+          <a:bodyPr anchorCtr="0" anchor="t" bIns="45700" lIns="91425" spcFirstLastPara="1" rIns="91425" wrap="square" tIns="45700">
+            <a:noAutofit/>
+          </a:bodyPr>
+          <a:lstStyle/>
+          <a:p>
+            <a:pPr indent="0" lvl="0" marL="0" rtl="0" algn="r">
+              <a:spcBef>
+                <a:spcPts val="0"/>
+              </a:spcBef>
+              <a:spcAft>
+                <a:spcPts val="0"/>
+              </a:spcAft>
+              <a:buClr>
+                <a:srgbClr val="000000"/>
+              </a:buClr>
+              <a:buSzPts val="1800"/>
+              <a:buFont typeface="Arial"/>
+              <a:buNone/>
+            </a:pPr>
+            <a:fld id="{00000000-1234-1234-1234-123412341234}" type="slidenum">
+              <a:rPr lang="en-US"/>
+              <a:t>‹#›</a:t>
+            </a:fld>
+            <a:endParaRPr/>
+          </a:p>
+        </p:txBody>
+      </p:sp>
+    </p:spTree>
+  </p:cSld>
+  <p:clrMapOvr>
+    <a:masterClrMapping/>
+  </p:clrMapOvr>
+</p:sld>
+</file>
+
 <file path=ppt/slides/slide2.xml><?xml version="1.0" encoding="utf-8"?>
 <p:sld xmlns:a="http://schemas.openxmlformats.org/drawingml/2006/main" xmlns:r="http://schemas.openxmlformats.org/officeDocument/2006/relationships" xmlns:mc="http://schemas.openxmlformats.org/markup-compatibility/2006" xmlns:mv="urn:schemas-microsoft-com:mac:vml" xmlns:p="http://schemas.openxmlformats.org/presentationml/2006/main" xmlns:c="http://schemas.openxmlformats.org/drawingml/2006/chart" xmlns:dgm="http://schemas.openxmlformats.org/drawingml/2006/diagram" xmlns:o="urn:schemas-microsoft-com:office:office" xmlns:v="urn:schemas-microsoft-com:vml" xmlns:pvml="urn:schemas-microsoft-com:office:powerpoint" xmlns:com="http://schemas.openxmlformats.org/drawingml/2006/compatibility" xmlns:p14="http://schemas.microsoft.com/office/powerpoint/2010/main" xmlns:p15="http://schemas.microsoft.com/office/powerpoint/2012/main" xmlns:ahyp="http://schemas.microsoft.com/office/drawing/2018/hyperlinkcolor">
   <p:cSld>
@@ -28161,7 +28533,7 @@
           </a:bodyPr>
           <a:lstStyle/>
           <a:p>
-            <a:pPr indent="-298450" lvl="0" marL="457200" rtl="0" algn="l">
+            <a:pPr indent="-342900" lvl="0" marL="457200" rtl="0" algn="l">
               <a:lnSpc>
                 <a:spcPct val="115000"/>
               </a:lnSpc>
@@ -28171,11 +28543,32 @@
               <a:spcAft>
                 <a:spcPts val="0"/>
               </a:spcAft>
-              <a:buSzPts val="1100"/>
+              <a:buSzPts val="1800"/>
               <a:buChar char="●"/>
             </a:pPr>
             <a:r>
-              <a:t/>
+              <a:rPr lang="en-US"/>
+              <a:t>Item 1</a:t>
+            </a:r>
+            <a:endParaRPr/>
+          </a:p>
+          <a:p>
+            <a:pPr indent="-342900" lvl="0" marL="457200" rtl="0" algn="l">
+              <a:lnSpc>
+                <a:spcPct val="115000"/>
+              </a:lnSpc>
+              <a:spcBef>
+                <a:spcPts val="0"/>
+              </a:spcBef>
+              <a:spcAft>
+                <a:spcPts val="0"/>
+              </a:spcAft>
+              <a:buSzPts val="1800"/>
+              <a:buChar char="●"/>
+            </a:pPr>
+            <a:r>
+              <a:rPr lang="en-US"/>
+              <a:t>Item 2</a:t>
             </a:r>
             <a:endParaRPr/>
           </a:p>
@@ -28460,7 +28853,7 @@
         <p:spPr>
           <a:xfrm>
             <a:off x="838200" y="365125"/>
-            <a:ext cx="10515600" cy="932180"/>
+            <a:ext cx="10515600" cy="932100"/>
           </a:xfrm>
           <a:prstGeom prst="rect">
             <a:avLst/>
@@ -28527,14 +28920,14 @@
           </a:ln>
         </p:spPr>
         <p:txBody>
-          <a:bodyPr anchorCtr="0" anchor="t" bIns="45700" lIns="91425" spcFirstLastPara="1" rIns="91425" wrap="square" tIns="45700">
-            <a:normAutofit lnSpcReduction="10000"/>
+          <a:bodyPr anchorCtr="0" anchor="t" bIns="228600" lIns="91425" spcFirstLastPara="1" rIns="91425" wrap="square" tIns="45700">
+            <a:noAutofit/>
           </a:bodyPr>
           <a:lstStyle/>
           <a:p>
-            <a:pPr indent="-228600" lvl="0" marL="228600" rtl="0" algn="l">
-              <a:lnSpc>
-                <a:spcPct val="90000"/>
+            <a:pPr indent="0" lvl="0" marL="0" rtl="0" algn="l">
+              <a:lnSpc>
+                <a:spcPct val="115000"/>
               </a:lnSpc>
               <a:spcBef>
                 <a:spcPts val="1000"/>
@@ -28542,11 +28935,7 @@
               <a:spcAft>
                 <a:spcPts val="0"/>
               </a:spcAft>
-              <a:buClr>
-                <a:schemeClr val="dk1"/>
-              </a:buClr>
-              <a:buSzPts val="2800"/>
-              <a:buChar char="•"/>
+              <a:buNone/>
             </a:pPr>
             <a:r>
               <a:rPr lang="en-US"/>
@@ -28555,7 +28944,7 @@
             <a:endParaRPr/>
           </a:p>
           <a:p>
-            <a:pPr indent="-243840" lvl="1" marL="685800" rtl="0" algn="l">
+            <a:pPr indent="-205740" lvl="1" marL="685800" rtl="0" algn="l">
               <a:lnSpc>
                 <a:spcPct val="90000"/>
               </a:lnSpc>
@@ -28568,8 +28957,8 @@
               <a:buClr>
                 <a:srgbClr val="787878"/>
               </a:buClr>
-              <a:buSzPts val="2400"/>
-              <a:buChar char="•"/>
+              <a:buSzPts val="1800"/>
+              <a:buChar char="○"/>
             </a:pPr>
             <a:r>
               <a:rPr lang="en-US">
@@ -28586,7 +28975,7 @@
             </a:endParaRPr>
           </a:p>
           <a:p>
-            <a:pPr indent="-266700" lvl="2" marL="1143000" rtl="0" algn="l">
+            <a:pPr indent="-203200" lvl="2" marL="1143000" rtl="0" algn="l">
               <a:lnSpc>
                 <a:spcPct val="90000"/>
               </a:lnSpc>
@@ -28599,8 +28988,8 @@
               <a:buClr>
                 <a:srgbClr val="787878"/>
               </a:buClr>
-              <a:buSzPts val="2400"/>
-              <a:buChar char="•"/>
+              <a:buSzPts val="1400"/>
+              <a:buChar char="■"/>
             </a:pPr>
             <a:r>
               <a:rPr lang="en-US">
@@ -28634,7 +29023,7 @@
             </a:endParaRPr>
           </a:p>
           <a:p>
-            <a:pPr indent="-241300" lvl="2" marL="1143000" rtl="0" algn="l">
+            <a:pPr indent="-203200" lvl="2" marL="1143000" rtl="0" algn="l">
               <a:lnSpc>
                 <a:spcPct val="90000"/>
               </a:lnSpc>
@@ -28647,8 +29036,8 @@
               <a:buClr>
                 <a:srgbClr val="787878"/>
               </a:buClr>
-              <a:buSzPts val="2000"/>
-              <a:buChar char="•"/>
+              <a:buSzPts val="1400"/>
+              <a:buChar char="■"/>
             </a:pPr>
             <a:r>
               <a:rPr lang="en-US">
@@ -28687,9 +29076,9 @@
             <a:endParaRPr/>
           </a:p>
           <a:p>
-            <a:pPr indent="-243840" lvl="1" marL="685800" rtl="0" algn="l">
-              <a:lnSpc>
-                <a:spcPct val="90000"/>
+            <a:pPr indent="-205740" lvl="1" marL="685800" rtl="0" algn="l">
+              <a:lnSpc>
+                <a:spcPct val="115000"/>
               </a:lnSpc>
               <a:spcBef>
                 <a:spcPts val="500"/>
@@ -28700,8 +29089,8 @@
               <a:buClr>
                 <a:srgbClr val="787878"/>
               </a:buClr>
-              <a:buSzPts val="2400"/>
-              <a:buChar char="•"/>
+              <a:buSzPts val="1800"/>
+              <a:buChar char="○"/>
             </a:pPr>
             <a:r>
               <a:rPr lang="en-US">
@@ -28718,7 +29107,7 @@
             </a:endParaRPr>
           </a:p>
           <a:p>
-            <a:pPr indent="-266700" lvl="2" marL="1143000" rtl="0" algn="l">
+            <a:pPr indent="-203200" lvl="2" marL="1143000" rtl="0" algn="l">
               <a:lnSpc>
                 <a:spcPct val="90000"/>
               </a:lnSpc>
@@ -28731,8 +29120,8 @@
               <a:buClr>
                 <a:srgbClr val="787878"/>
               </a:buClr>
-              <a:buSzPts val="2400"/>
-              <a:buChar char="•"/>
+              <a:buSzPts val="1400"/>
+              <a:buChar char="■"/>
             </a:pPr>
             <a:r>
               <a:rPr lang="en-US">
@@ -28758,9 +29147,9 @@
             </a:endParaRPr>
           </a:p>
           <a:p>
-            <a:pPr indent="-241300" lvl="2" marL="1143000" rtl="0" algn="l">
-              <a:lnSpc>
-                <a:spcPct val="90000"/>
+            <a:pPr indent="-203200" lvl="2" marL="1143000" rtl="0" algn="l">
+              <a:lnSpc>
+                <a:spcPct val="150000"/>
               </a:lnSpc>
               <a:spcBef>
                 <a:spcPts val="500"/>
@@ -28771,8 +29160,8 @@
               <a:buClr>
                 <a:srgbClr val="787878"/>
               </a:buClr>
-              <a:buSzPts val="2000"/>
-              <a:buChar char="•"/>
+              <a:buSzPts val="1400"/>
+              <a:buChar char="■"/>
             </a:pPr>
             <a:r>
               <a:rPr lang="en-US">
@@ -28817,30 +29206,7 @@
           <a:p>
             <a:pPr indent="0" lvl="0" marL="0" rtl="0" algn="l">
               <a:lnSpc>
-                <a:spcPct val="90000"/>
-              </a:lnSpc>
-              <a:spcBef>
-                <a:spcPts val="1000"/>
-              </a:spcBef>
-              <a:spcAft>
-                <a:spcPts val="0"/>
-              </a:spcAft>
-              <a:buSzPts val="1800"/>
-              <a:buNone/>
-            </a:pPr>
-            <a:r>
-              <a:t/>
-            </a:r>
-            <a:endParaRPr>
-              <a:solidFill>
-                <a:srgbClr val="787878"/>
-              </a:solidFill>
-            </a:endParaRPr>
-          </a:p>
-          <a:p>
-            <a:pPr indent="0" lvl="0" marL="0" rtl="0" algn="l">
-              <a:lnSpc>
-                <a:spcPct val="90000"/>
+                <a:spcPct val="115000"/>
               </a:lnSpc>
               <a:spcBef>
                 <a:spcPts val="0"/>
@@ -28857,12 +29223,12 @@
             </a:pPr>
             <a:r>
               <a:rPr lang="en-US"/>
-              <a:t>W3C Web of Things Community Group:</a:t>
+              <a:t>W3C Web of Things Community Group related web pages: </a:t>
             </a:r>
             <a:endParaRPr/>
           </a:p>
           <a:p>
-            <a:pPr indent="-228600" lvl="0" marL="228600" rtl="0" algn="l">
+            <a:pPr indent="-342900" lvl="1" marL="914400" rtl="0" algn="l">
               <a:lnSpc>
                 <a:spcPct val="90000"/>
               </a:lnSpc>
@@ -28872,26 +29238,38 @@
               <a:spcAft>
                 <a:spcPts val="0"/>
               </a:spcAft>
-              <a:buSzPts val="2800"/>
-              <a:buChar char="•"/>
+              <a:buSzPts val="1800"/>
+              <a:buChar char="○"/>
             </a:pPr>
             <a:r>
-              <a:rPr lang="en-US"/>
-              <a:t>Web Page: </a:t>
-            </a:r>
-            <a:r>
               <a:rPr lang="en-US" u="sng">
                 <a:solidFill>
                   <a:schemeClr val="hlink"/>
                 </a:solidFill>
                 <a:hlinkClick r:id="rId9"/>
               </a:rPr>
-              <a:t>https://www.w3.org/WoT/</a:t>
+              <a:t>www.w3.org/WoT/</a:t>
             </a:r>
             <a:r>
               <a:rPr lang="en-US"/>
-              <a:t> (</a:t>
+              <a:t> </a:t>
             </a:r>
+            <a:endParaRPr/>
+          </a:p>
+          <a:p>
+            <a:pPr indent="-342900" lvl="1" marL="914400" rtl="0" algn="l">
+              <a:lnSpc>
+                <a:spcPct val="90000"/>
+              </a:lnSpc>
+              <a:spcBef>
+                <a:spcPts val="1000"/>
+              </a:spcBef>
+              <a:spcAft>
+                <a:spcPts val="0"/>
+              </a:spcAft>
+              <a:buSzPts val="1800"/>
+              <a:buChar char="○"/>
+            </a:pPr>
             <a:r>
               <a:rPr lang="en-US" u="sng">
                 <a:solidFill>
@@ -28899,17 +29277,50 @@
                 </a:solidFill>
                 <a:hlinkClick r:id="rId10"/>
               </a:rPr>
-              <a:t>https://www.w3.org/community/wot/</a:t>
+              <a:t>www.w3.org/community/wot/</a:t>
             </a:r>
             <a:r>
               <a:rPr lang="en-US"/>
-              <a:t> can be also used for now)</a:t>
+              <a:t> for blog posts</a:t>
             </a:r>
-            <a:endParaRPr>
-              <a:solidFill>
-                <a:srgbClr val="787878"/>
-              </a:solidFill>
-            </a:endParaRPr>
+            <a:endParaRPr/>
+          </a:p>
+          <a:p>
+            <a:pPr indent="-342900" lvl="1" marL="914400" rtl="0" algn="l">
+              <a:lnSpc>
+                <a:spcPct val="90000"/>
+              </a:lnSpc>
+              <a:spcBef>
+                <a:spcPts val="1000"/>
+              </a:spcBef>
+              <a:spcAft>
+                <a:spcPts val="0"/>
+              </a:spcAft>
+              <a:buSzPts val="1800"/>
+              <a:buChar char="○"/>
+            </a:pPr>
+            <a:r>
+              <a:rPr lang="en-US" u="sng">
+                <a:solidFill>
+                  <a:schemeClr val="hlink"/>
+                </a:solidFill>
+                <a:hlinkClick r:id="rId11"/>
+              </a:rPr>
+              <a:t>https://www.w3.org/groups/cg/wot</a:t>
+            </a:r>
+            <a:r>
+              <a:rPr lang="en-US"/>
+              <a:t> for </a:t>
+            </a:r>
+            <a:r>
+              <a:rPr i="1" lang="en-US"/>
+              <a:t>administrative</a:t>
+            </a:r>
+            <a:r>
+              <a:rPr lang="en-US"/>
+              <a:t> information</a:t>
+            </a:r>
+            <a:endParaRPr/>
           </a:p>
           <a:p>
             <a:pPr indent="0" lvl="0" marL="0" rtl="0" algn="l">
@@ -29100,7 +29511,7 @@
                 <a:spcPts val="0"/>
               </a:spcAft>
               <a:buSzPts val="1800"/>
-              <a:buChar char="•"/>
+              <a:buChar char="●"/>
             </a:pPr>
             <a:r>
               <a:rPr lang="en-US"/>
@@ -29131,7 +29542,7 @@
             <a:endParaRPr/>
           </a:p>
           <a:p>
-            <a:pPr indent="-342900" lvl="1" marL="914400" rtl="0" algn="l">
+            <a:pPr indent="-317500" lvl="1" marL="914400" rtl="0" algn="l">
               <a:lnSpc>
                 <a:spcPct val="150000"/>
               </a:lnSpc>
@@ -29141,8 +29552,8 @@
               <a:spcAft>
                 <a:spcPts val="0"/>
               </a:spcAft>
-              <a:buSzPts val="1800"/>
-              <a:buChar char="•"/>
+              <a:buSzPts val="1400"/>
+              <a:buChar char="○"/>
             </a:pPr>
             <a:r>
               <a:rPr lang="en-US"/>
@@ -29151,6 +29562,26 @@
             <a:endParaRPr/>
           </a:p>
           <a:p>
+            <a:pPr indent="-317500" lvl="1" marL="914400" rtl="0" algn="l">
+              <a:lnSpc>
+                <a:spcPct val="150000"/>
+              </a:lnSpc>
+              <a:spcBef>
+                <a:spcPts val="1000"/>
+              </a:spcBef>
+              <a:spcAft>
+                <a:spcPts val="0"/>
+              </a:spcAft>
+              <a:buSzPts val="1400"/>
+              <a:buChar char="○"/>
+            </a:pPr>
+            <a:r>
+              <a:rPr lang="en-US"/>
+              <a:t>X will be scribing</a:t>
+            </a:r>
+            <a:endParaRPr/>
+          </a:p>
+          <a:p>
             <a:pPr indent="-342900" lvl="0" marL="457200" rtl="0" algn="l">
               <a:lnSpc>
                 <a:spcPct val="150000"/>
@@ -29162,7 +29593,7 @@
                 <a:spcPts val="0"/>
               </a:spcAft>
               <a:buSzPts val="1800"/>
-              <a:buChar char="•"/>
+              <a:buChar char="●"/>
             </a:pPr>
             <a:r>
               <a:rPr lang="en-US"/>
@@ -29171,7 +29602,7 @@
             <a:endParaRPr/>
           </a:p>
           <a:p>
-            <a:pPr indent="-406400" lvl="0" marL="457200" rtl="0" algn="l">
+            <a:pPr indent="-342900" lvl="0" marL="457200" rtl="0" algn="l">
               <a:lnSpc>
                 <a:spcPct val="150000"/>
               </a:lnSpc>
@@ -29181,8 +29612,8 @@
               <a:spcAft>
                 <a:spcPts val="0"/>
               </a:spcAft>
-              <a:buSzPts val="2800"/>
-              <a:buChar char="•"/>
+              <a:buSzPts val="1800"/>
+              <a:buChar char="●"/>
             </a:pPr>
             <a:r>
               <a:rPr lang="en-US"/>
@@ -29211,7 +29642,7 @@
                 <a:spcPts val="0"/>
               </a:spcAft>
               <a:buSzPts val="1800"/>
-              <a:buChar char="•"/>
+              <a:buChar char="●"/>
             </a:pPr>
             <a:r>
               <a:rPr lang="en-US"/>
@@ -29749,7 +30180,44 @@
             </a:r>
             <a:r>
               <a:rPr lang="en-US"/>
-              <a:t> for the next event, put QR code if the meeting is already in W3C Calendar </a:t>
+              <a:t> for the next event, put QR code if the meeting is already in W3C Calendar</a:t>
+            </a:r>
+            <a:endParaRPr/>
+          </a:p>
+          <a:p>
+            <a:pPr indent="0" lvl="0" marL="0" rtl="0" algn="l">
+              <a:lnSpc>
+                <a:spcPct val="115000"/>
+              </a:lnSpc>
+              <a:spcBef>
+                <a:spcPts val="1000"/>
+              </a:spcBef>
+              <a:spcAft>
+                <a:spcPts val="0"/>
+              </a:spcAft>
+              <a:buNone/>
+            </a:pPr>
+            <a:r>
+              <a:t/>
+            </a:r>
+            <a:endParaRPr/>
+          </a:p>
+          <a:p>
+            <a:pPr indent="0" lvl="0" marL="0" rtl="0" algn="l">
+              <a:lnSpc>
+                <a:spcPct val="115000"/>
+              </a:lnSpc>
+              <a:spcBef>
+                <a:spcPts val="1000"/>
+              </a:spcBef>
+              <a:spcAft>
+                <a:spcPts val="0"/>
+              </a:spcAft>
+              <a:buNone/>
+            </a:pPr>
+            <a:r>
+              <a:rPr lang="en-US"/>
+              <a:t>Use QR Code and link so that it can be pasted into irc</a:t>
             </a:r>
             <a:endParaRPr/>
           </a:p>
@@ -30063,7 +30531,12 @@
               <a:buAutoNum type="arabicPeriod"/>
             </a:pPr>
             <a:r>
-              <a:t/>
+              <a:rPr lang="en-US">
+                <a:solidFill>
+                  <a:srgbClr val="212529"/>
+                </a:solidFill>
+              </a:rPr>
+              <a:t>Item 1</a:t>
             </a:r>
             <a:endParaRPr>
               <a:solidFill>
@@ -30255,7 +30728,7 @@
                 <a:spcPts val="0"/>
               </a:spcAft>
               <a:buSzPts val="1800"/>
-              <a:buChar char="•"/>
+              <a:buChar char="●"/>
             </a:pPr>
             <a:r>
               <a:rPr lang="en-US"/>
@@ -30284,7 +30757,7 @@
                 <a:spcPts val="0"/>
               </a:spcAft>
               <a:buSzPts val="1800"/>
-              <a:buChar char="•"/>
+              <a:buChar char="●"/>
             </a:pPr>
             <a:r>
               <a:rPr lang="en-US"/>
@@ -30298,6 +30771,39 @@
                 <a:hlinkClick r:id="rId4"/>
               </a:rPr>
               <a:t>public-web-of-things@w3.org</a:t>
+            </a:r>
+            <a:endParaRPr/>
+          </a:p>
+          <a:p>
+            <a:pPr indent="-342900" lvl="0" marL="457200" rtl="0" algn="l">
+              <a:lnSpc>
+                <a:spcPct val="115000"/>
+              </a:lnSpc>
+              <a:spcBef>
+                <a:spcPts val="0"/>
+              </a:spcBef>
+              <a:spcAft>
+                <a:spcPts val="0"/>
+              </a:spcAft>
+              <a:buSzPts val="1800"/>
+              <a:buChar char="●"/>
+            </a:pPr>
+            <a:r>
+              <a:rPr lang="en-US"/>
+              <a:t>All future events are visible in our calendar at </a:t>
+            </a:r>
+            <a:r>
+              <a:rPr lang="en-US" u="sng">
+                <a:solidFill>
+                  <a:schemeClr val="hlink"/>
+                </a:solidFill>
+                <a:hlinkClick r:id="rId5"/>
+              </a:rPr>
+              <a:t>https://www.w3.org/groups/cg/wot/calendar</a:t>
+            </a:r>
+            <a:r>
+              <a:rPr lang="en-US"/>
+              <a:t> </a:t>
             </a:r>
             <a:endParaRPr/>
           </a:p>
@@ -30331,9 +30837,6 @@
           <a:lstStyle/>
           <a:p>
             <a:pPr indent="0" lvl="0" marL="0" rtl="0" algn="r">
-              <a:lnSpc>
-                <a:spcPct val="100000"/>
-              </a:lnSpc>
               <a:spcBef>
                 <a:spcPts val="0"/>
               </a:spcBef>
@@ -30824,7 +31327,7 @@
 </file>
 
 <file path=ppt/theme/theme2.xml><?xml version="1.0" encoding="utf-8"?>
-<a:theme xmlns:a="http://schemas.openxmlformats.org/drawingml/2006/main" xmlns:r="http://schemas.openxmlformats.org/officeDocument/2006/relationships" name="Office Theme">
+<a:theme xmlns:a="http://schemas.openxmlformats.org/drawingml/2006/main" xmlns:r="http://schemas.openxmlformats.org/officeDocument/2006/relationships" name="8_Office Theme">
   <a:themeElements>
     <a:clrScheme name="Office">
       <a:dk1>
@@ -31103,7 +31606,7 @@
 </file>
 
 <file path=ppt/theme/theme3.xml><?xml version="1.0" encoding="utf-8"?>
-<a:theme xmlns:a="http://schemas.openxmlformats.org/drawingml/2006/main" xmlns:r="http://schemas.openxmlformats.org/officeDocument/2006/relationships" name="8_Office Theme">
+<a:theme xmlns:a="http://schemas.openxmlformats.org/drawingml/2006/main" xmlns:r="http://schemas.openxmlformats.org/officeDocument/2006/relationships" name="Office Theme">
   <a:themeElements>
     <a:clrScheme name="Office">
       <a:dk1>
